--- a/["Quesito 3 Team"]/PresentazioneFabio.pptx
+++ b/["Quesito 3 Team"]/PresentazioneFabio.pptx
@@ -165,7 +165,7 @@
           <a:noFill/>
           <a:extLst>
             <a:ext uri="{909E8E84-426E-40dd-AFC4-6F175D3DCCD1}">
-              <a14:hiddenFill xmlns="" xmlns:a14="http://schemas.microsoft.com/office/drawing/2010/main">
+              <a14:hiddenFill xmlns:a14="http://schemas.microsoft.com/office/drawing/2010/main" xmlns="">
                 <a:solidFill>
                   <a:srgbClr val="FFFFFF"/>
                 </a:solidFill>
@@ -225,7 +225,7 @@
             </a:ln>
             <a:extLst>
               <a:ext uri="{91240B29-F687-4f45-9708-019B960494DF}">
-                <a14:hiddenLine xmlns="" xmlns:a14="http://schemas.microsoft.com/office/drawing/2010/main" w="9525">
+                <a14:hiddenLine xmlns:a14="http://schemas.microsoft.com/office/drawing/2010/main" xmlns="" w="9525">
                   <a:solidFill>
                     <a:srgbClr val="000000"/>
                   </a:solidFill>
@@ -315,7 +315,7 @@
             </a:ln>
             <a:extLst>
               <a:ext uri="{91240B29-F687-4f45-9708-019B960494DF}">
-                <a14:hiddenLine xmlns="" xmlns:a14="http://schemas.microsoft.com/office/drawing/2010/main" w="9525">
+                <a14:hiddenLine xmlns:a14="http://schemas.microsoft.com/office/drawing/2010/main" xmlns="" w="9525">
                   <a:solidFill>
                     <a:srgbClr val="000000"/>
                   </a:solidFill>
@@ -405,7 +405,7 @@
             </a:ln>
             <a:extLst>
               <a:ext uri="{91240B29-F687-4f45-9708-019B960494DF}">
-                <a14:hiddenLine xmlns="" xmlns:a14="http://schemas.microsoft.com/office/drawing/2010/main" w="9525">
+                <a14:hiddenLine xmlns:a14="http://schemas.microsoft.com/office/drawing/2010/main" xmlns="" w="9525">
                   <a:solidFill>
                     <a:srgbClr val="000000"/>
                   </a:solidFill>
@@ -439,7 +439,7 @@
             </a:ln>
             <a:extLst>
               <a:ext uri="{91240B29-F687-4f45-9708-019B960494DF}">
-                <a14:hiddenLine xmlns="" xmlns:a14="http://schemas.microsoft.com/office/drawing/2010/main" w="9525">
+                <a14:hiddenLine xmlns:a14="http://schemas.microsoft.com/office/drawing/2010/main" xmlns="" w="9525">
                   <a:solidFill>
                     <a:srgbClr val="000000"/>
                   </a:solidFill>
@@ -529,7 +529,7 @@
             </a:ln>
             <a:extLst>
               <a:ext uri="{91240B29-F687-4f45-9708-019B960494DF}">
-                <a14:hiddenLine xmlns="" xmlns:a14="http://schemas.microsoft.com/office/drawing/2010/main" w="9525">
+                <a14:hiddenLine xmlns:a14="http://schemas.microsoft.com/office/drawing/2010/main" xmlns="" w="9525">
                   <a:solidFill>
                     <a:srgbClr val="000000"/>
                   </a:solidFill>
@@ -591,7 +591,7 @@
             </a:ln>
             <a:extLst>
               <a:ext uri="{91240B29-F687-4f45-9708-019B960494DF}">
-                <a14:hiddenLine xmlns="" xmlns:a14="http://schemas.microsoft.com/office/drawing/2010/main" w="9525">
+                <a14:hiddenLine xmlns:a14="http://schemas.microsoft.com/office/drawing/2010/main" xmlns="" w="9525">
                   <a:solidFill>
                     <a:srgbClr val="000000"/>
                   </a:solidFill>
@@ -653,7 +653,7 @@
             </a:ln>
             <a:extLst>
               <a:ext uri="{91240B29-F687-4f45-9708-019B960494DF}">
-                <a14:hiddenLine xmlns="" xmlns:a14="http://schemas.microsoft.com/office/drawing/2010/main" w="9525">
+                <a14:hiddenLine xmlns:a14="http://schemas.microsoft.com/office/drawing/2010/main" xmlns="" w="9525">
                   <a:solidFill>
                     <a:srgbClr val="000000"/>
                   </a:solidFill>
@@ -743,7 +743,7 @@
             </a:ln>
             <a:extLst>
               <a:ext uri="{91240B29-F687-4f45-9708-019B960494DF}">
-                <a14:hiddenLine xmlns="" xmlns:a14="http://schemas.microsoft.com/office/drawing/2010/main" w="9525">
+                <a14:hiddenLine xmlns:a14="http://schemas.microsoft.com/office/drawing/2010/main" xmlns="" w="9525">
                   <a:solidFill>
                     <a:srgbClr val="000000"/>
                   </a:solidFill>
@@ -805,7 +805,7 @@
             </a:ln>
             <a:extLst>
               <a:ext uri="{91240B29-F687-4f45-9708-019B960494DF}">
-                <a14:hiddenLine xmlns="" xmlns:a14="http://schemas.microsoft.com/office/drawing/2010/main" w="9525">
+                <a14:hiddenLine xmlns:a14="http://schemas.microsoft.com/office/drawing/2010/main" xmlns="" w="9525">
                   <a:solidFill>
                     <a:srgbClr val="000000"/>
                   </a:solidFill>
@@ -867,7 +867,7 @@
             </a:ln>
             <a:extLst>
               <a:ext uri="{91240B29-F687-4f45-9708-019B960494DF}">
-                <a14:hiddenLine xmlns="" xmlns:a14="http://schemas.microsoft.com/office/drawing/2010/main" w="9525">
+                <a14:hiddenLine xmlns:a14="http://schemas.microsoft.com/office/drawing/2010/main" xmlns="" w="9525">
                   <a:solidFill>
                     <a:srgbClr val="000000"/>
                   </a:solidFill>
@@ -957,7 +957,7 @@
             </a:ln>
             <a:extLst>
               <a:ext uri="{91240B29-F687-4f45-9708-019B960494DF}">
-                <a14:hiddenLine xmlns="" xmlns:a14="http://schemas.microsoft.com/office/drawing/2010/main" w="9525">
+                <a14:hiddenLine xmlns:a14="http://schemas.microsoft.com/office/drawing/2010/main" xmlns="" w="9525">
                   <a:solidFill>
                     <a:srgbClr val="000000"/>
                   </a:solidFill>
@@ -1047,7 +1047,7 @@
             </a:ln>
             <a:extLst>
               <a:ext uri="{91240B29-F687-4f45-9708-019B960494DF}">
-                <a14:hiddenLine xmlns="" xmlns:a14="http://schemas.microsoft.com/office/drawing/2010/main" w="9525">
+                <a14:hiddenLine xmlns:a14="http://schemas.microsoft.com/office/drawing/2010/main" xmlns="" w="9525">
                   <a:solidFill>
                     <a:srgbClr val="000000"/>
                   </a:solidFill>
@@ -1109,7 +1109,7 @@
             </a:ln>
             <a:extLst>
               <a:ext uri="{91240B29-F687-4f45-9708-019B960494DF}">
-                <a14:hiddenLine xmlns="" xmlns:a14="http://schemas.microsoft.com/office/drawing/2010/main" w="9525">
+                <a14:hiddenLine xmlns:a14="http://schemas.microsoft.com/office/drawing/2010/main" xmlns="" w="9525">
                   <a:solidFill>
                     <a:srgbClr val="000000"/>
                   </a:solidFill>
@@ -1219,7 +1219,7 @@
             </a:ln>
             <a:extLst>
               <a:ext uri="{91240B29-F687-4f45-9708-019B960494DF}">
-                <a14:hiddenLine xmlns="" xmlns:a14="http://schemas.microsoft.com/office/drawing/2010/main" w="9525">
+                <a14:hiddenLine xmlns:a14="http://schemas.microsoft.com/office/drawing/2010/main" xmlns="" w="9525">
                   <a:solidFill>
                     <a:srgbClr val="000000"/>
                   </a:solidFill>
@@ -1281,7 +1281,7 @@
             </a:ln>
             <a:extLst>
               <a:ext uri="{91240B29-F687-4f45-9708-019B960494DF}">
-                <a14:hiddenLine xmlns="" xmlns:a14="http://schemas.microsoft.com/office/drawing/2010/main" w="9525">
+                <a14:hiddenLine xmlns:a14="http://schemas.microsoft.com/office/drawing/2010/main" xmlns="" w="9525">
                   <a:solidFill>
                     <a:srgbClr val="000000"/>
                   </a:solidFill>
@@ -1371,7 +1371,7 @@
             </a:ln>
             <a:extLst>
               <a:ext uri="{91240B29-F687-4f45-9708-019B960494DF}">
-                <a14:hiddenLine xmlns="" xmlns:a14="http://schemas.microsoft.com/office/drawing/2010/main" w="9525">
+                <a14:hiddenLine xmlns:a14="http://schemas.microsoft.com/office/drawing/2010/main" xmlns="" w="9525">
                   <a:solidFill>
                     <a:srgbClr val="000000"/>
                   </a:solidFill>
@@ -1461,7 +1461,7 @@
             </a:ln>
             <a:extLst>
               <a:ext uri="{91240B29-F687-4f45-9708-019B960494DF}">
-                <a14:hiddenLine xmlns="" xmlns:a14="http://schemas.microsoft.com/office/drawing/2010/main" w="9525">
+                <a14:hiddenLine xmlns:a14="http://schemas.microsoft.com/office/drawing/2010/main" xmlns="" w="9525">
                   <a:solidFill>
                     <a:srgbClr val="000000"/>
                   </a:solidFill>
@@ -1523,7 +1523,7 @@
             </a:ln>
             <a:extLst>
               <a:ext uri="{91240B29-F687-4f45-9708-019B960494DF}">
-                <a14:hiddenLine xmlns="" xmlns:a14="http://schemas.microsoft.com/office/drawing/2010/main" w="9525">
+                <a14:hiddenLine xmlns:a14="http://schemas.microsoft.com/office/drawing/2010/main" xmlns="" w="9525">
                   <a:solidFill>
                     <a:srgbClr val="000000"/>
                   </a:solidFill>
@@ -1613,7 +1613,7 @@
             </a:ln>
             <a:extLst>
               <a:ext uri="{91240B29-F687-4f45-9708-019B960494DF}">
-                <a14:hiddenLine xmlns="" xmlns:a14="http://schemas.microsoft.com/office/drawing/2010/main" w="9525">
+                <a14:hiddenLine xmlns:a14="http://schemas.microsoft.com/office/drawing/2010/main" xmlns="" w="9525">
                   <a:solidFill>
                     <a:srgbClr val="000000"/>
                   </a:solidFill>
@@ -1703,7 +1703,7 @@
             </a:ln>
             <a:extLst>
               <a:ext uri="{91240B29-F687-4f45-9708-019B960494DF}">
-                <a14:hiddenLine xmlns="" xmlns:a14="http://schemas.microsoft.com/office/drawing/2010/main" w="9525">
+                <a14:hiddenLine xmlns:a14="http://schemas.microsoft.com/office/drawing/2010/main" xmlns="" w="9525">
                   <a:solidFill>
                     <a:srgbClr val="000000"/>
                   </a:solidFill>
@@ -1759,7 +1759,7 @@
             </a:ln>
             <a:extLst>
               <a:ext uri="{91240B29-F687-4f45-9708-019B960494DF}">
-                <a14:hiddenLine xmlns="" xmlns:a14="http://schemas.microsoft.com/office/drawing/2010/main" w="9525">
+                <a14:hiddenLine xmlns:a14="http://schemas.microsoft.com/office/drawing/2010/main" xmlns="" w="9525">
                   <a:solidFill>
                     <a:srgbClr val="000000"/>
                   </a:solidFill>
@@ -1849,7 +1849,7 @@
             </a:ln>
             <a:extLst>
               <a:ext uri="{91240B29-F687-4f45-9708-019B960494DF}">
-                <a14:hiddenLine xmlns="" xmlns:a14="http://schemas.microsoft.com/office/drawing/2010/main" w="9525">
+                <a14:hiddenLine xmlns:a14="http://schemas.microsoft.com/office/drawing/2010/main" xmlns="" w="9525">
                   <a:solidFill>
                     <a:srgbClr val="000000"/>
                   </a:solidFill>
@@ -1905,7 +1905,7 @@
             </a:ln>
             <a:extLst>
               <a:ext uri="{91240B29-F687-4f45-9708-019B960494DF}">
-                <a14:hiddenLine xmlns="" xmlns:a14="http://schemas.microsoft.com/office/drawing/2010/main" w="9525">
+                <a14:hiddenLine xmlns:a14="http://schemas.microsoft.com/office/drawing/2010/main" xmlns="" w="9525">
                   <a:solidFill>
                     <a:srgbClr val="000000"/>
                   </a:solidFill>
@@ -1995,7 +1995,7 @@
             </a:ln>
             <a:extLst>
               <a:ext uri="{91240B29-F687-4f45-9708-019B960494DF}">
-                <a14:hiddenLine xmlns="" xmlns:a14="http://schemas.microsoft.com/office/drawing/2010/main" w="9525">
+                <a14:hiddenLine xmlns:a14="http://schemas.microsoft.com/office/drawing/2010/main" xmlns="" w="9525">
                   <a:solidFill>
                     <a:srgbClr val="000000"/>
                   </a:solidFill>
@@ -2063,7 +2063,7 @@
             </a:ln>
             <a:extLst>
               <a:ext uri="{91240B29-F687-4f45-9708-019B960494DF}">
-                <a14:hiddenLine xmlns="" xmlns:a14="http://schemas.microsoft.com/office/drawing/2010/main" w="9525">
+                <a14:hiddenLine xmlns:a14="http://schemas.microsoft.com/office/drawing/2010/main" xmlns="" w="9525">
                   <a:solidFill>
                     <a:srgbClr val="000000"/>
                   </a:solidFill>
@@ -2153,7 +2153,7 @@
             </a:ln>
             <a:extLst>
               <a:ext uri="{91240B29-F687-4f45-9708-019B960494DF}">
-                <a14:hiddenLine xmlns="" xmlns:a14="http://schemas.microsoft.com/office/drawing/2010/main" w="9525">
+                <a14:hiddenLine xmlns:a14="http://schemas.microsoft.com/office/drawing/2010/main" xmlns="" w="9525">
                   <a:solidFill>
                     <a:srgbClr val="000000"/>
                   </a:solidFill>
@@ -2221,7 +2221,7 @@
             </a:ln>
             <a:extLst>
               <a:ext uri="{91240B29-F687-4f45-9708-019B960494DF}">
-                <a14:hiddenLine xmlns="" xmlns:a14="http://schemas.microsoft.com/office/drawing/2010/main" w="9525">
+                <a14:hiddenLine xmlns:a14="http://schemas.microsoft.com/office/drawing/2010/main" xmlns="" w="9525">
                   <a:solidFill>
                     <a:srgbClr val="000000"/>
                   </a:solidFill>
@@ -2311,7 +2311,7 @@
             </a:ln>
             <a:extLst>
               <a:ext uri="{91240B29-F687-4f45-9708-019B960494DF}">
-                <a14:hiddenLine xmlns="" xmlns:a14="http://schemas.microsoft.com/office/drawing/2010/main" w="9525">
+                <a14:hiddenLine xmlns:a14="http://schemas.microsoft.com/office/drawing/2010/main" xmlns="" w="9525">
                   <a:solidFill>
                     <a:srgbClr val="000000"/>
                   </a:solidFill>
@@ -2345,7 +2345,7 @@
             </a:ln>
             <a:extLst>
               <a:ext uri="{91240B29-F687-4f45-9708-019B960494DF}">
-                <a14:hiddenLine xmlns="" xmlns:a14="http://schemas.microsoft.com/office/drawing/2010/main" w="9525">
+                <a14:hiddenLine xmlns:a14="http://schemas.microsoft.com/office/drawing/2010/main" xmlns="" w="9525">
                   <a:solidFill>
                     <a:srgbClr val="000000"/>
                   </a:solidFill>
@@ -2435,7 +2435,7 @@
             </a:ln>
             <a:extLst>
               <a:ext uri="{91240B29-F687-4f45-9708-019B960494DF}">
-                <a14:hiddenLine xmlns="" xmlns:a14="http://schemas.microsoft.com/office/drawing/2010/main" w="9525">
+                <a14:hiddenLine xmlns:a14="http://schemas.microsoft.com/office/drawing/2010/main" xmlns="" w="9525">
                   <a:solidFill>
                     <a:srgbClr val="000000"/>
                   </a:solidFill>
@@ -2497,7 +2497,7 @@
             </a:ln>
             <a:extLst>
               <a:ext uri="{91240B29-F687-4f45-9708-019B960494DF}">
-                <a14:hiddenLine xmlns="" xmlns:a14="http://schemas.microsoft.com/office/drawing/2010/main" w="9525">
+                <a14:hiddenLine xmlns:a14="http://schemas.microsoft.com/office/drawing/2010/main" xmlns="" w="9525">
                   <a:solidFill>
                     <a:srgbClr val="000000"/>
                   </a:solidFill>
@@ -2559,7 +2559,7 @@
             </a:ln>
             <a:extLst>
               <a:ext uri="{91240B29-F687-4f45-9708-019B960494DF}">
-                <a14:hiddenLine xmlns="" xmlns:a14="http://schemas.microsoft.com/office/drawing/2010/main" w="9525">
+                <a14:hiddenLine xmlns:a14="http://schemas.microsoft.com/office/drawing/2010/main" xmlns="" w="9525">
                   <a:solidFill>
                     <a:srgbClr val="000000"/>
                   </a:solidFill>
@@ -2649,7 +2649,7 @@
             </a:ln>
             <a:extLst>
               <a:ext uri="{91240B29-F687-4f45-9708-019B960494DF}">
-                <a14:hiddenLine xmlns="" xmlns:a14="http://schemas.microsoft.com/office/drawing/2010/main" w="9525">
+                <a14:hiddenLine xmlns:a14="http://schemas.microsoft.com/office/drawing/2010/main" xmlns="" w="9525">
                   <a:solidFill>
                     <a:srgbClr val="000000"/>
                   </a:solidFill>
@@ -2717,7 +2717,7 @@
             </a:ln>
             <a:extLst>
               <a:ext uri="{91240B29-F687-4f45-9708-019B960494DF}">
-                <a14:hiddenLine xmlns="" xmlns:a14="http://schemas.microsoft.com/office/drawing/2010/main" w="9525">
+                <a14:hiddenLine xmlns:a14="http://schemas.microsoft.com/office/drawing/2010/main" xmlns="" w="9525">
                   <a:solidFill>
                     <a:srgbClr val="000000"/>
                   </a:solidFill>
@@ -2779,7 +2779,7 @@
             </a:ln>
             <a:extLst>
               <a:ext uri="{91240B29-F687-4f45-9708-019B960494DF}">
-                <a14:hiddenLine xmlns="" xmlns:a14="http://schemas.microsoft.com/office/drawing/2010/main" w="9525">
+                <a14:hiddenLine xmlns:a14="http://schemas.microsoft.com/office/drawing/2010/main" xmlns="" w="9525">
                   <a:solidFill>
                     <a:srgbClr val="000000"/>
                   </a:solidFill>
@@ -2869,7 +2869,7 @@
             </a:ln>
             <a:extLst>
               <a:ext uri="{91240B29-F687-4f45-9708-019B960494DF}">
-                <a14:hiddenLine xmlns="" xmlns:a14="http://schemas.microsoft.com/office/drawing/2010/main" w="9525">
+                <a14:hiddenLine xmlns:a14="http://schemas.microsoft.com/office/drawing/2010/main" xmlns="" w="9525">
                   <a:solidFill>
                     <a:srgbClr val="000000"/>
                   </a:solidFill>
@@ -2931,7 +2931,7 @@
             </a:ln>
             <a:extLst>
               <a:ext uri="{91240B29-F687-4f45-9708-019B960494DF}">
-                <a14:hiddenLine xmlns="" xmlns:a14="http://schemas.microsoft.com/office/drawing/2010/main" w="9525">
+                <a14:hiddenLine xmlns:a14="http://schemas.microsoft.com/office/drawing/2010/main" xmlns="" w="9525">
                   <a:solidFill>
                     <a:srgbClr val="000000"/>
                   </a:solidFill>
@@ -3021,7 +3021,7 @@
             </a:ln>
             <a:extLst>
               <a:ext uri="{91240B29-F687-4f45-9708-019B960494DF}">
-                <a14:hiddenLine xmlns="" xmlns:a14="http://schemas.microsoft.com/office/drawing/2010/main" w="9525">
+                <a14:hiddenLine xmlns:a14="http://schemas.microsoft.com/office/drawing/2010/main" xmlns="" w="9525">
                   <a:solidFill>
                     <a:srgbClr val="000000"/>
                   </a:solidFill>
@@ -3083,7 +3083,7 @@
             </a:ln>
             <a:extLst>
               <a:ext uri="{91240B29-F687-4f45-9708-019B960494DF}">
-                <a14:hiddenLine xmlns="" xmlns:a14="http://schemas.microsoft.com/office/drawing/2010/main" w="9525">
+                <a14:hiddenLine xmlns:a14="http://schemas.microsoft.com/office/drawing/2010/main" xmlns="" w="9525">
                   <a:solidFill>
                     <a:srgbClr val="000000"/>
                   </a:solidFill>
@@ -3173,7 +3173,7 @@
             </a:ln>
             <a:extLst>
               <a:ext uri="{91240B29-F687-4f45-9708-019B960494DF}">
-                <a14:hiddenLine xmlns="" xmlns:a14="http://schemas.microsoft.com/office/drawing/2010/main" w="9525">
+                <a14:hiddenLine xmlns:a14="http://schemas.microsoft.com/office/drawing/2010/main" xmlns="" w="9525">
                   <a:solidFill>
                     <a:srgbClr val="000000"/>
                   </a:solidFill>
@@ -3207,7 +3207,7 @@
             </a:ln>
             <a:extLst>
               <a:ext uri="{91240B29-F687-4f45-9708-019B960494DF}">
-                <a14:hiddenLine xmlns="" xmlns:a14="http://schemas.microsoft.com/office/drawing/2010/main" w="9525">
+                <a14:hiddenLine xmlns:a14="http://schemas.microsoft.com/office/drawing/2010/main" xmlns="" w="9525">
                   <a:solidFill>
                     <a:srgbClr val="000000"/>
                   </a:solidFill>
@@ -3272,7 +3272,7 @@
             </a:ln>
             <a:extLst>
               <a:ext uri="{91240B29-F687-4f45-9708-019B960494DF}">
-                <a14:hiddenLine xmlns="" xmlns:a14="http://schemas.microsoft.com/office/drawing/2010/main" w="9525">
+                <a14:hiddenLine xmlns:a14="http://schemas.microsoft.com/office/drawing/2010/main" xmlns="" w="9525">
                   <a:solidFill>
                     <a:srgbClr val="000000"/>
                   </a:solidFill>
@@ -3362,7 +3362,7 @@
             </a:ln>
             <a:extLst>
               <a:ext uri="{91240B29-F687-4f45-9708-019B960494DF}">
-                <a14:hiddenLine xmlns="" xmlns:a14="http://schemas.microsoft.com/office/drawing/2010/main" w="9525">
+                <a14:hiddenLine xmlns:a14="http://schemas.microsoft.com/office/drawing/2010/main" xmlns="" w="9525">
                   <a:solidFill>
                     <a:srgbClr val="000000"/>
                   </a:solidFill>
@@ -3424,7 +3424,7 @@
             </a:ln>
             <a:extLst>
               <a:ext uri="{91240B29-F687-4f45-9708-019B960494DF}">
-                <a14:hiddenLine xmlns="" xmlns:a14="http://schemas.microsoft.com/office/drawing/2010/main" w="9525">
+                <a14:hiddenLine xmlns:a14="http://schemas.microsoft.com/office/drawing/2010/main" xmlns="" w="9525">
                   <a:solidFill>
                     <a:srgbClr val="000000"/>
                   </a:solidFill>
@@ -3514,7 +3514,7 @@
             </a:ln>
             <a:extLst>
               <a:ext uri="{91240B29-F687-4f45-9708-019B960494DF}">
-                <a14:hiddenLine xmlns="" xmlns:a14="http://schemas.microsoft.com/office/drawing/2010/main" w="9525">
+                <a14:hiddenLine xmlns:a14="http://schemas.microsoft.com/office/drawing/2010/main" xmlns="" w="9525">
                   <a:solidFill>
                     <a:srgbClr val="000000"/>
                   </a:solidFill>
@@ -3604,7 +3604,7 @@
             </a:ln>
             <a:extLst>
               <a:ext uri="{91240B29-F687-4f45-9708-019B960494DF}">
-                <a14:hiddenLine xmlns="" xmlns:a14="http://schemas.microsoft.com/office/drawing/2010/main" w="9525">
+                <a14:hiddenLine xmlns:a14="http://schemas.microsoft.com/office/drawing/2010/main" xmlns="" w="9525">
                   <a:solidFill>
                     <a:srgbClr val="000000"/>
                   </a:solidFill>
@@ -3669,7 +3669,7 @@
             </a:ln>
             <a:extLst>
               <a:ext uri="{91240B29-F687-4f45-9708-019B960494DF}">
-                <a14:hiddenLine xmlns="" xmlns:a14="http://schemas.microsoft.com/office/drawing/2010/main" w="9525">
+                <a14:hiddenLine xmlns:a14="http://schemas.microsoft.com/office/drawing/2010/main" xmlns="" w="9525">
                   <a:solidFill>
                     <a:srgbClr val="000000"/>
                   </a:solidFill>
@@ -3731,7 +3731,7 @@
             </a:ln>
             <a:extLst>
               <a:ext uri="{91240B29-F687-4f45-9708-019B960494DF}">
-                <a14:hiddenLine xmlns="" xmlns:a14="http://schemas.microsoft.com/office/drawing/2010/main" w="9525">
+                <a14:hiddenLine xmlns:a14="http://schemas.microsoft.com/office/drawing/2010/main" xmlns="" w="9525">
                   <a:solidFill>
                     <a:srgbClr val="000000"/>
                   </a:solidFill>
@@ -3821,7 +3821,7 @@
             </a:ln>
             <a:extLst>
               <a:ext uri="{91240B29-F687-4f45-9708-019B960494DF}">
-                <a14:hiddenLine xmlns="" xmlns:a14="http://schemas.microsoft.com/office/drawing/2010/main" w="9525">
+                <a14:hiddenLine xmlns:a14="http://schemas.microsoft.com/office/drawing/2010/main" xmlns="" w="9525">
                   <a:solidFill>
                     <a:srgbClr val="000000"/>
                   </a:solidFill>
@@ -3911,7 +3911,7 @@
             </a:ln>
             <a:extLst>
               <a:ext uri="{91240B29-F687-4f45-9708-019B960494DF}">
-                <a14:hiddenLine xmlns="" xmlns:a14="http://schemas.microsoft.com/office/drawing/2010/main" w="9525">
+                <a14:hiddenLine xmlns:a14="http://schemas.microsoft.com/office/drawing/2010/main" xmlns="" w="9525">
                   <a:solidFill>
                     <a:srgbClr val="000000"/>
                   </a:solidFill>
@@ -3973,7 +3973,7 @@
             </a:ln>
             <a:extLst>
               <a:ext uri="{91240B29-F687-4f45-9708-019B960494DF}">
-                <a14:hiddenLine xmlns="" xmlns:a14="http://schemas.microsoft.com/office/drawing/2010/main" w="9525">
+                <a14:hiddenLine xmlns:a14="http://schemas.microsoft.com/office/drawing/2010/main" xmlns="" w="9525">
                   <a:solidFill>
                     <a:srgbClr val="000000"/>
                   </a:solidFill>
@@ -4093,7 +4093,7 @@
             </a:ln>
             <a:extLst>
               <a:ext uri="{91240B29-F687-4f45-9708-019B960494DF}">
-                <a14:hiddenLine xmlns="" xmlns:a14="http://schemas.microsoft.com/office/drawing/2010/main" w="9525">
+                <a14:hiddenLine xmlns:a14="http://schemas.microsoft.com/office/drawing/2010/main" xmlns="" w="9525">
                   <a:solidFill>
                     <a:srgbClr val="000000"/>
                   </a:solidFill>
@@ -4161,7 +4161,7 @@
             </a:ln>
             <a:extLst>
               <a:ext uri="{91240B29-F687-4f45-9708-019B960494DF}">
-                <a14:hiddenLine xmlns="" xmlns:a14="http://schemas.microsoft.com/office/drawing/2010/main" w="9525">
+                <a14:hiddenLine xmlns:a14="http://schemas.microsoft.com/office/drawing/2010/main" xmlns="" w="9525">
                   <a:solidFill>
                     <a:srgbClr val="000000"/>
                   </a:solidFill>
@@ -4251,7 +4251,7 @@
             </a:ln>
             <a:extLst>
               <a:ext uri="{91240B29-F687-4f45-9708-019B960494DF}">
-                <a14:hiddenLine xmlns="" xmlns:a14="http://schemas.microsoft.com/office/drawing/2010/main" w="9525">
+                <a14:hiddenLine xmlns:a14="http://schemas.microsoft.com/office/drawing/2010/main" xmlns="" w="9525">
                   <a:solidFill>
                     <a:srgbClr val="000000"/>
                   </a:solidFill>
@@ -9058,7 +9058,7 @@
           <a:noFill/>
           <a:extLst>
             <a:ext uri="{909E8E84-426E-40dd-AFC4-6F175D3DCCD1}">
-              <a14:hiddenFill xmlns="" xmlns:a14="http://schemas.microsoft.com/office/drawing/2010/main">
+              <a14:hiddenFill xmlns:a14="http://schemas.microsoft.com/office/drawing/2010/main" xmlns="">
                 <a:solidFill>
                   <a:srgbClr val="FFFFFF"/>
                 </a:solidFill>
@@ -9132,7 +9132,7 @@
               </a:ln>
               <a:extLst>
                 <a:ext uri="{91240B29-F687-4f45-9708-019B960494DF}">
-                  <a14:hiddenLine xmlns="" xmlns:a14="http://schemas.microsoft.com/office/drawing/2010/main" w="9525">
+                  <a14:hiddenLine xmlns:a14="http://schemas.microsoft.com/office/drawing/2010/main" xmlns="" w="9525">
                     <a:solidFill>
                       <a:srgbClr val="000000"/>
                     </a:solidFill>
@@ -9222,7 +9222,7 @@
               </a:ln>
               <a:extLst>
                 <a:ext uri="{91240B29-F687-4f45-9708-019B960494DF}">
-                  <a14:hiddenLine xmlns="" xmlns:a14="http://schemas.microsoft.com/office/drawing/2010/main" w="9525">
+                  <a14:hiddenLine xmlns:a14="http://schemas.microsoft.com/office/drawing/2010/main" xmlns="" w="9525">
                     <a:solidFill>
                       <a:srgbClr val="000000"/>
                     </a:solidFill>
@@ -9312,7 +9312,7 @@
               </a:ln>
               <a:extLst>
                 <a:ext uri="{91240B29-F687-4f45-9708-019B960494DF}">
-                  <a14:hiddenLine xmlns="" xmlns:a14="http://schemas.microsoft.com/office/drawing/2010/main" w="9525">
+                  <a14:hiddenLine xmlns:a14="http://schemas.microsoft.com/office/drawing/2010/main" xmlns="" w="9525">
                     <a:solidFill>
                       <a:srgbClr val="000000"/>
                     </a:solidFill>
@@ -9374,7 +9374,7 @@
               </a:ln>
               <a:extLst>
                 <a:ext uri="{91240B29-F687-4f45-9708-019B960494DF}">
-                  <a14:hiddenLine xmlns="" xmlns:a14="http://schemas.microsoft.com/office/drawing/2010/main" w="9525">
+                  <a14:hiddenLine xmlns:a14="http://schemas.microsoft.com/office/drawing/2010/main" xmlns="" w="9525">
                     <a:solidFill>
                       <a:srgbClr val="000000"/>
                     </a:solidFill>
@@ -9464,7 +9464,7 @@
               </a:ln>
               <a:extLst>
                 <a:ext uri="{91240B29-F687-4f45-9708-019B960494DF}">
-                  <a14:hiddenLine xmlns="" xmlns:a14="http://schemas.microsoft.com/office/drawing/2010/main" w="9525">
+                  <a14:hiddenLine xmlns:a14="http://schemas.microsoft.com/office/drawing/2010/main" xmlns="" w="9525">
                     <a:solidFill>
                       <a:srgbClr val="000000"/>
                     </a:solidFill>
@@ -9526,7 +9526,7 @@
               </a:ln>
               <a:extLst>
                 <a:ext uri="{91240B29-F687-4f45-9708-019B960494DF}">
-                  <a14:hiddenLine xmlns="" xmlns:a14="http://schemas.microsoft.com/office/drawing/2010/main" w="9525">
+                  <a14:hiddenLine xmlns:a14="http://schemas.microsoft.com/office/drawing/2010/main" xmlns="" w="9525">
                     <a:solidFill>
                       <a:srgbClr val="000000"/>
                     </a:solidFill>
@@ -9588,7 +9588,7 @@
               </a:ln>
               <a:extLst>
                 <a:ext uri="{91240B29-F687-4f45-9708-019B960494DF}">
-                  <a14:hiddenLine xmlns="" xmlns:a14="http://schemas.microsoft.com/office/drawing/2010/main" w="9525">
+                  <a14:hiddenLine xmlns:a14="http://schemas.microsoft.com/office/drawing/2010/main" xmlns="" w="9525">
                     <a:solidFill>
                       <a:srgbClr val="000000"/>
                     </a:solidFill>
@@ -9678,7 +9678,7 @@
               </a:ln>
               <a:extLst>
                 <a:ext uri="{91240B29-F687-4f45-9708-019B960494DF}">
-                  <a14:hiddenLine xmlns="" xmlns:a14="http://schemas.microsoft.com/office/drawing/2010/main" w="9525">
+                  <a14:hiddenLine xmlns:a14="http://schemas.microsoft.com/office/drawing/2010/main" xmlns="" w="9525">
                     <a:solidFill>
                       <a:srgbClr val="000000"/>
                     </a:solidFill>
@@ -9768,7 +9768,7 @@
               </a:ln>
               <a:extLst>
                 <a:ext uri="{91240B29-F687-4f45-9708-019B960494DF}">
-                  <a14:hiddenLine xmlns="" xmlns:a14="http://schemas.microsoft.com/office/drawing/2010/main" w="9525">
+                  <a14:hiddenLine xmlns:a14="http://schemas.microsoft.com/office/drawing/2010/main" xmlns="" w="9525">
                     <a:solidFill>
                       <a:srgbClr val="000000"/>
                     </a:solidFill>
@@ -9830,7 +9830,7 @@
               </a:ln>
               <a:extLst>
                 <a:ext uri="{91240B29-F687-4f45-9708-019B960494DF}">
-                  <a14:hiddenLine xmlns="" xmlns:a14="http://schemas.microsoft.com/office/drawing/2010/main" w="9525">
+                  <a14:hiddenLine xmlns:a14="http://schemas.microsoft.com/office/drawing/2010/main" xmlns="" w="9525">
                     <a:solidFill>
                       <a:srgbClr val="000000"/>
                     </a:solidFill>
@@ -9940,7 +9940,7 @@
               </a:ln>
               <a:extLst>
                 <a:ext uri="{91240B29-F687-4f45-9708-019B960494DF}">
-                  <a14:hiddenLine xmlns="" xmlns:a14="http://schemas.microsoft.com/office/drawing/2010/main" w="9525">
+                  <a14:hiddenLine xmlns:a14="http://schemas.microsoft.com/office/drawing/2010/main" xmlns="" w="9525">
                     <a:solidFill>
                       <a:srgbClr val="000000"/>
                     </a:solidFill>
@@ -10024,7 +10024,7 @@
               </a:ln>
               <a:extLst>
                 <a:ext uri="{91240B29-F687-4f45-9708-019B960494DF}">
-                  <a14:hiddenLine xmlns="" xmlns:a14="http://schemas.microsoft.com/office/drawing/2010/main" w="9525">
+                  <a14:hiddenLine xmlns:a14="http://schemas.microsoft.com/office/drawing/2010/main" xmlns="" w="9525">
                     <a:solidFill>
                       <a:srgbClr val="000000"/>
                     </a:solidFill>
@@ -10086,7 +10086,7 @@
               </a:ln>
               <a:extLst>
                 <a:ext uri="{91240B29-F687-4f45-9708-019B960494DF}">
-                  <a14:hiddenLine xmlns="" xmlns:a14="http://schemas.microsoft.com/office/drawing/2010/main" w="9525">
+                  <a14:hiddenLine xmlns:a14="http://schemas.microsoft.com/office/drawing/2010/main" xmlns="" w="9525">
                     <a:solidFill>
                       <a:srgbClr val="000000"/>
                     </a:solidFill>
@@ -10148,7 +10148,7 @@
               </a:ln>
               <a:extLst>
                 <a:ext uri="{91240B29-F687-4f45-9708-019B960494DF}">
-                  <a14:hiddenLine xmlns="" xmlns:a14="http://schemas.microsoft.com/office/drawing/2010/main" w="9525">
+                  <a14:hiddenLine xmlns:a14="http://schemas.microsoft.com/office/drawing/2010/main" xmlns="" w="9525">
                     <a:solidFill>
                       <a:srgbClr val="000000"/>
                     </a:solidFill>
@@ -10238,7 +10238,7 @@
               </a:ln>
               <a:extLst>
                 <a:ext uri="{91240B29-F687-4f45-9708-019B960494DF}">
-                  <a14:hiddenLine xmlns="" xmlns:a14="http://schemas.microsoft.com/office/drawing/2010/main" w="9525">
+                  <a14:hiddenLine xmlns:a14="http://schemas.microsoft.com/office/drawing/2010/main" xmlns="" w="9525">
                     <a:solidFill>
                       <a:srgbClr val="000000"/>
                     </a:solidFill>
@@ -10272,7 +10272,7 @@
               </a:ln>
               <a:extLst>
                 <a:ext uri="{91240B29-F687-4f45-9708-019B960494DF}">
-                  <a14:hiddenLine xmlns="" xmlns:a14="http://schemas.microsoft.com/office/drawing/2010/main" w="9525">
+                  <a14:hiddenLine xmlns:a14="http://schemas.microsoft.com/office/drawing/2010/main" xmlns="" w="9525">
                     <a:solidFill>
                       <a:srgbClr val="000000"/>
                     </a:solidFill>
@@ -10337,7 +10337,7 @@
               </a:ln>
               <a:extLst>
                 <a:ext uri="{91240B29-F687-4f45-9708-019B960494DF}">
-                  <a14:hiddenLine xmlns="" xmlns:a14="http://schemas.microsoft.com/office/drawing/2010/main" w="9525">
+                  <a14:hiddenLine xmlns:a14="http://schemas.microsoft.com/office/drawing/2010/main" xmlns="" w="9525">
                     <a:solidFill>
                       <a:srgbClr val="000000"/>
                     </a:solidFill>
@@ -10427,7 +10427,7 @@
               </a:ln>
               <a:extLst>
                 <a:ext uri="{91240B29-F687-4f45-9708-019B960494DF}">
-                  <a14:hiddenLine xmlns="" xmlns:a14="http://schemas.microsoft.com/office/drawing/2010/main" w="9525">
+                  <a14:hiddenLine xmlns:a14="http://schemas.microsoft.com/office/drawing/2010/main" xmlns="" w="9525">
                     <a:solidFill>
                       <a:srgbClr val="000000"/>
                     </a:solidFill>
@@ -10489,7 +10489,7 @@
               </a:ln>
               <a:extLst>
                 <a:ext uri="{91240B29-F687-4f45-9708-019B960494DF}">
-                  <a14:hiddenLine xmlns="" xmlns:a14="http://schemas.microsoft.com/office/drawing/2010/main" w="9525">
+                  <a14:hiddenLine xmlns:a14="http://schemas.microsoft.com/office/drawing/2010/main" xmlns="" w="9525">
                     <a:solidFill>
                       <a:srgbClr val="000000"/>
                     </a:solidFill>
@@ -10579,7 +10579,7 @@
               </a:ln>
               <a:extLst>
                 <a:ext uri="{91240B29-F687-4f45-9708-019B960494DF}">
-                  <a14:hiddenLine xmlns="" xmlns:a14="http://schemas.microsoft.com/office/drawing/2010/main" w="9525">
+                  <a14:hiddenLine xmlns:a14="http://schemas.microsoft.com/office/drawing/2010/main" xmlns="" w="9525">
                     <a:solidFill>
                       <a:srgbClr val="000000"/>
                     </a:solidFill>
@@ -10644,7 +10644,7 @@
               </a:ln>
               <a:extLst>
                 <a:ext uri="{91240B29-F687-4f45-9708-019B960494DF}">
-                  <a14:hiddenLine xmlns="" xmlns:a14="http://schemas.microsoft.com/office/drawing/2010/main" w="9525">
+                  <a14:hiddenLine xmlns:a14="http://schemas.microsoft.com/office/drawing/2010/main" xmlns="" w="9525">
                     <a:solidFill>
                       <a:srgbClr val="000000"/>
                     </a:solidFill>
@@ -10706,7 +10706,7 @@
               </a:ln>
               <a:extLst>
                 <a:ext uri="{91240B29-F687-4f45-9708-019B960494DF}">
-                  <a14:hiddenLine xmlns="" xmlns:a14="http://schemas.microsoft.com/office/drawing/2010/main" w="9525">
+                  <a14:hiddenLine xmlns:a14="http://schemas.microsoft.com/office/drawing/2010/main" xmlns="" w="9525">
                     <a:solidFill>
                       <a:srgbClr val="000000"/>
                     </a:solidFill>
@@ -10796,7 +10796,7 @@
               </a:ln>
               <a:extLst>
                 <a:ext uri="{91240B29-F687-4f45-9708-019B960494DF}">
-                  <a14:hiddenLine xmlns="" xmlns:a14="http://schemas.microsoft.com/office/drawing/2010/main" w="9525">
+                  <a14:hiddenLine xmlns:a14="http://schemas.microsoft.com/office/drawing/2010/main" xmlns="" w="9525">
                     <a:solidFill>
                       <a:srgbClr val="000000"/>
                     </a:solidFill>
@@ -10886,7 +10886,7 @@
               </a:ln>
               <a:extLst>
                 <a:ext uri="{91240B29-F687-4f45-9708-019B960494DF}">
-                  <a14:hiddenLine xmlns="" xmlns:a14="http://schemas.microsoft.com/office/drawing/2010/main" w="9525">
+                  <a14:hiddenLine xmlns:a14="http://schemas.microsoft.com/office/drawing/2010/main" xmlns="" w="9525">
                     <a:solidFill>
                       <a:srgbClr val="000000"/>
                     </a:solidFill>
@@ -10951,7 +10951,7 @@
               </a:ln>
               <a:extLst>
                 <a:ext uri="{91240B29-F687-4f45-9708-019B960494DF}">
-                  <a14:hiddenLine xmlns="" xmlns:a14="http://schemas.microsoft.com/office/drawing/2010/main" w="9525">
+                  <a14:hiddenLine xmlns:a14="http://schemas.microsoft.com/office/drawing/2010/main" xmlns="" w="9525">
                     <a:solidFill>
                       <a:srgbClr val="000000"/>
                     </a:solidFill>
@@ -11071,7 +11071,7 @@
               </a:ln>
               <a:extLst>
                 <a:ext uri="{91240B29-F687-4f45-9708-019B960494DF}">
-                  <a14:hiddenLine xmlns="" xmlns:a14="http://schemas.microsoft.com/office/drawing/2010/main" w="9525">
+                  <a14:hiddenLine xmlns:a14="http://schemas.microsoft.com/office/drawing/2010/main" xmlns="" w="9525">
                     <a:solidFill>
                       <a:srgbClr val="000000"/>
                     </a:solidFill>
@@ -11169,7 +11169,7 @@
               </a:ln>
               <a:extLst>
                 <a:ext uri="{91240B29-F687-4f45-9708-019B960494DF}">
-                  <a14:hiddenLine xmlns="" xmlns:a14="http://schemas.microsoft.com/office/drawing/2010/main" w="9525">
+                  <a14:hiddenLine xmlns:a14="http://schemas.microsoft.com/office/drawing/2010/main" xmlns="" w="9525">
                     <a:solidFill>
                       <a:srgbClr val="000000"/>
                     </a:solidFill>
@@ -11284,7 +11284,7 @@
               </a:ln>
               <a:extLst>
                 <a:ext uri="{91240B29-F687-4f45-9708-019B960494DF}">
-                  <a14:hiddenLine xmlns="" xmlns:a14="http://schemas.microsoft.com/office/drawing/2010/main" w="9525">
+                  <a14:hiddenLine xmlns:a14="http://schemas.microsoft.com/office/drawing/2010/main" xmlns="" w="9525">
                     <a:solidFill>
                       <a:srgbClr val="000000"/>
                     </a:solidFill>
@@ -11374,7 +11374,7 @@
               </a:ln>
               <a:extLst>
                 <a:ext uri="{91240B29-F687-4f45-9708-019B960494DF}">
-                  <a14:hiddenLine xmlns="" xmlns:a14="http://schemas.microsoft.com/office/drawing/2010/main" w="9525">
+                  <a14:hiddenLine xmlns:a14="http://schemas.microsoft.com/office/drawing/2010/main" xmlns="" w="9525">
                     <a:solidFill>
                       <a:srgbClr val="000000"/>
                     </a:solidFill>
@@ -11439,7 +11439,7 @@
               </a:ln>
               <a:extLst>
                 <a:ext uri="{91240B29-F687-4f45-9708-019B960494DF}">
-                  <a14:hiddenLine xmlns="" xmlns:a14="http://schemas.microsoft.com/office/drawing/2010/main" w="9525">
+                  <a14:hiddenLine xmlns:a14="http://schemas.microsoft.com/office/drawing/2010/main" xmlns="" w="9525">
                     <a:solidFill>
                       <a:srgbClr val="000000"/>
                     </a:solidFill>
@@ -11529,7 +11529,7 @@
               </a:ln>
               <a:extLst>
                 <a:ext uri="{91240B29-F687-4f45-9708-019B960494DF}">
-                  <a14:hiddenLine xmlns="" xmlns:a14="http://schemas.microsoft.com/office/drawing/2010/main" w="9525">
+                  <a14:hiddenLine xmlns:a14="http://schemas.microsoft.com/office/drawing/2010/main" xmlns="" w="9525">
                     <a:solidFill>
                       <a:srgbClr val="000000"/>
                     </a:solidFill>
@@ -11597,7 +11597,7 @@
               </a:ln>
               <a:extLst>
                 <a:ext uri="{91240B29-F687-4f45-9708-019B960494DF}">
-                  <a14:hiddenLine xmlns="" xmlns:a14="http://schemas.microsoft.com/office/drawing/2010/main" w="9525">
+                  <a14:hiddenLine xmlns:a14="http://schemas.microsoft.com/office/drawing/2010/main" xmlns="" w="9525">
                     <a:solidFill>
                       <a:srgbClr val="000000"/>
                     </a:solidFill>
@@ -11687,7 +11687,7 @@
               </a:ln>
               <a:extLst>
                 <a:ext uri="{91240B29-F687-4f45-9708-019B960494DF}">
-                  <a14:hiddenLine xmlns="" xmlns:a14="http://schemas.microsoft.com/office/drawing/2010/main" w="9525">
+                  <a14:hiddenLine xmlns:a14="http://schemas.microsoft.com/office/drawing/2010/main" xmlns="" w="9525">
                     <a:solidFill>
                       <a:srgbClr val="000000"/>
                     </a:solidFill>
@@ -11755,7 +11755,7 @@
               </a:ln>
               <a:extLst>
                 <a:ext uri="{91240B29-F687-4f45-9708-019B960494DF}">
-                  <a14:hiddenLine xmlns="" xmlns:a14="http://schemas.microsoft.com/office/drawing/2010/main" w="9525">
+                  <a14:hiddenLine xmlns:a14="http://schemas.microsoft.com/office/drawing/2010/main" xmlns="" w="9525">
                     <a:solidFill>
                       <a:srgbClr val="000000"/>
                     </a:solidFill>
@@ -11845,7 +11845,7 @@
               </a:ln>
               <a:extLst>
                 <a:ext uri="{91240B29-F687-4f45-9708-019B960494DF}">
-                  <a14:hiddenLine xmlns="" xmlns:a14="http://schemas.microsoft.com/office/drawing/2010/main" w="9525">
+                  <a14:hiddenLine xmlns:a14="http://schemas.microsoft.com/office/drawing/2010/main" xmlns="" w="9525">
                     <a:solidFill>
                       <a:srgbClr val="000000"/>
                     </a:solidFill>
@@ -11879,7 +11879,7 @@
               </a:ln>
               <a:extLst>
                 <a:ext uri="{91240B29-F687-4f45-9708-019B960494DF}">
-                  <a14:hiddenLine xmlns="" xmlns:a14="http://schemas.microsoft.com/office/drawing/2010/main" w="9525">
+                  <a14:hiddenLine xmlns:a14="http://schemas.microsoft.com/office/drawing/2010/main" xmlns="" w="9525">
                     <a:solidFill>
                       <a:srgbClr val="000000"/>
                     </a:solidFill>
@@ -12452,12 +12452,12 @@
         <p:spPr>
           <a:xfrm>
             <a:off x="870234" y="2442671"/>
-            <a:ext cx="9905999" cy="3541714"/>
+            <a:ext cx="9905999" cy="3713430"/>
           </a:xfrm>
         </p:spPr>
         <p:txBody>
           <a:bodyPr>
-            <a:normAutofit fontScale="92500" lnSpcReduction="20000"/>
+            <a:normAutofit/>
           </a:bodyPr>
           <a:lstStyle/>
           <a:p>
@@ -12474,13 +12474,12 @@
             </a:r>
             <a:r>
               <a:rPr lang="it-IT" sz="2800" dirty="0" smtClean="0"/>
-              <a:t>= rottura, disgregazione, frantumazione</a:t>
-            </a:r>
-          </a:p>
-          <a:p>
-            <a:pPr marL="0" indent="0">
-              <a:buNone/>
-            </a:pPr>
+              <a:t>= rottura, disgregazione, </a:t>
+            </a:r>
+            <a:r>
+              <a:rPr lang="it-IT" sz="2800" dirty="0" smtClean="0"/>
+              <a:t>frantumazione</a:t>
+            </a:r>
             <a:endParaRPr lang="it-IT" sz="2800" dirty="0"/>
           </a:p>
           <a:p>
@@ -12494,40 +12493,22 @@
             </a:r>
             <a:r>
               <a:rPr lang="it-IT" sz="2800" dirty="0" smtClean="0"/>
-              <a:t>precedente</a:t>
-            </a:r>
-          </a:p>
-          <a:p>
-            <a:pPr marL="0" indent="0">
-              <a:buNone/>
-            </a:pPr>
-            <a:endParaRPr lang="en-US" sz="2800" dirty="0" smtClean="0"/>
-          </a:p>
-          <a:p>
-            <a:pPr marL="0" indent="0">
-              <a:buNone/>
-            </a:pPr>
-            <a:r>
-              <a:rPr lang="en-US" sz="2800" dirty="0" smtClean="0">
-                <a:solidFill>
-                  <a:srgbClr val="FFFF00"/>
-                </a:solidFill>
-              </a:rPr>
-              <a:t>“</a:t>
-            </a:r>
-            <a:r>
-              <a:rPr lang="en-US" sz="2800" i="1" dirty="0" smtClean="0">
-                <a:solidFill>
-                  <a:srgbClr val="FFFF00"/>
-                </a:solidFill>
-              </a:rPr>
-              <a:t>Today every business is a digital business”</a:t>
-            </a:r>
-          </a:p>
-          <a:p>
-            <a:pPr marL="0" indent="0">
-              <a:buNone/>
-            </a:pPr>
+              <a:t>precedente.</a:t>
+            </a:r>
+          </a:p>
+          <a:p>
+            <a:r>
+              <a:rPr lang="it-IT" sz="2800" dirty="0" smtClean="0"/>
+              <a:t>Distrugge</a:t>
+            </a:r>
+            <a:r>
+              <a:rPr lang="it-IT" sz="2800" dirty="0"/>
+              <a:t> i "vecchi" modelli di business e al tempo stesso premia i nuovi "entranti </a:t>
+            </a:r>
+            <a:r>
+              <a:rPr lang="it-IT" sz="2800" dirty="0" smtClean="0"/>
+              <a:t>digitali"</a:t>
+            </a:r>
             <a:endParaRPr lang="it-IT" sz="2800" dirty="0"/>
           </a:p>
         </p:txBody>
@@ -12744,24 +12725,17 @@
                   </a:schemeClr>
                 </a:solidFill>
               </a:rPr>
-              <a:t>DISRUPTION </a:t>
-            </a:r>
-            <a:r>
-              <a:rPr lang="it-IT" sz="3200" b="1" dirty="0" smtClean="0">
-                <a:solidFill>
-                  <a:schemeClr val="bg1">
-                    <a:lumMod val="95000"/>
-                    <a:lumOff val="5000"/>
-                  </a:schemeClr>
-                </a:solidFill>
-              </a:rPr>
-              <a:t>VS INNOVAZIONE</a:t>
+              <a:t>DISRUPTION VS INNOVAZIONE</a:t>
             </a:r>
           </a:p>
           <a:p>
             <a:r>
               <a:rPr lang="it-IT" dirty="0" smtClean="0"/>
-              <a:t>Non tutti gli innovatori sono </a:t>
+              <a:t>Tutti </a:t>
+            </a:r>
+            <a:r>
+              <a:rPr lang="it-IT" dirty="0" smtClean="0"/>
+              <a:t>i </a:t>
             </a:r>
             <a:r>
               <a:rPr lang="it-IT" dirty="0" err="1" smtClean="0">
@@ -12772,6 +12746,26 @@
               <a:t>disruptors</a:t>
             </a:r>
             <a:r>
+              <a:rPr lang="it-IT" dirty="0" smtClean="0"/>
+              <a:t> sono innovatori, ma </a:t>
+            </a:r>
+            <a:r>
+              <a:rPr lang="it-IT" dirty="0"/>
+              <a:t>n</a:t>
+            </a:r>
+            <a:r>
+              <a:rPr lang="it-IT" dirty="0" smtClean="0"/>
+              <a:t>on </a:t>
+            </a:r>
+            <a:r>
+              <a:rPr lang="it-IT" dirty="0" smtClean="0"/>
+              <a:t>tutti gli innovatori sono </a:t>
+            </a:r>
+            <a:r>
+              <a:rPr lang="it-IT" dirty="0" err="1" smtClean="0"/>
+              <a:t>disruptors</a:t>
+            </a:r>
+            <a:r>
               <a:rPr lang="it-IT" dirty="0"/>
               <a:t>.</a:t>
             </a:r>
@@ -12792,11 +12786,19 @@
             </a:r>
             <a:r>
               <a:rPr lang="it-IT" dirty="0" smtClean="0"/>
-              <a:t> </a:t>
+              <a:t> sradica e cambia letteralmente ciò </a:t>
             </a:r>
             <a:r>
               <a:rPr lang="it-IT" dirty="0" smtClean="0"/>
-              <a:t>sradica e cambia letteralmente ciò che noi pensiamo, come ci comportiamo, facciamo affari e dove andiamo nella nostra vita quotidiana</a:t>
+              <a:t>a cui </a:t>
+            </a:r>
+            <a:r>
+              <a:rPr lang="it-IT" dirty="0" smtClean="0"/>
+              <a:t>noi pensiamo, come ci comportiamo, facciamo affari e dove andiamo nella nostra vita </a:t>
+            </a:r>
+            <a:r>
+              <a:rPr lang="it-IT" dirty="0" smtClean="0"/>
+              <a:t>quotidiana.</a:t>
             </a:r>
             <a:endParaRPr lang="it-IT" dirty="0"/>
           </a:p>
@@ -12844,7 +12846,7 @@
         <p:spPr>
           <a:xfrm>
             <a:off x="999743" y="908577"/>
-            <a:ext cx="7018986" cy="2158540"/>
+            <a:ext cx="7018986" cy="2564805"/>
           </a:xfrm>
           <a:prstGeom prst="rect">
             <a:avLst/>
@@ -12880,7 +12882,7 @@
               <a:t>Big bang </a:t>
             </a:r>
             <a:r>
-              <a:rPr lang="it-IT" sz="3200" b="1" cap="all" dirty="0" err="1">
+              <a:rPr lang="it-IT" sz="3200" b="1" cap="all" dirty="0" err="1" smtClean="0">
                 <a:solidFill>
                   <a:prstClr val="black">
                     <a:lumMod val="95000"/>
@@ -12892,11 +12894,48 @@
               </a:rPr>
               <a:t>disruption</a:t>
             </a:r>
-            <a:endParaRPr lang="it-IT" sz="2200" dirty="0" smtClean="0">
-              <a:solidFill>
-                <a:srgbClr val="FFFF00"/>
-              </a:solidFill>
-            </a:endParaRPr>
+            <a:r>
+              <a:rPr lang="it-IT" sz="3200" b="1" cap="all" dirty="0" smtClean="0">
+                <a:solidFill>
+                  <a:prstClr val="black">
+                    <a:lumMod val="95000"/>
+                    <a:lumOff val="5000"/>
+                  </a:prstClr>
+                </a:solidFill>
+                <a:ea typeface="+mj-ea"/>
+                <a:cs typeface="+mj-cs"/>
+              </a:rPr>
+              <a:t> </a:t>
+            </a:r>
+            <a:r>
+              <a:rPr lang="it-IT" sz="1400" dirty="0" smtClean="0"/>
+              <a:t>(</a:t>
+            </a:r>
+            <a:r>
+              <a:rPr lang="it-IT" sz="1400" dirty="0"/>
+              <a:t>L</a:t>
+            </a:r>
+            <a:r>
+              <a:rPr lang="it-IT" sz="1400" dirty="0" smtClean="0"/>
+              <a:t>. </a:t>
+            </a:r>
+            <a:r>
+              <a:rPr lang="it-IT" sz="1400" dirty="0" err="1" smtClean="0"/>
+              <a:t>Downes</a:t>
+            </a:r>
+            <a:r>
+              <a:rPr lang="it-IT" sz="1400" dirty="0" smtClean="0"/>
+              <a:t> e Paul </a:t>
+            </a:r>
+            <a:r>
+              <a:rPr lang="it-IT" sz="1400" dirty="0" err="1" smtClean="0"/>
+              <a:t>Nunes</a:t>
+            </a:r>
+            <a:r>
+              <a:rPr lang="it-IT" sz="1400" dirty="0" smtClean="0"/>
+              <a:t>)</a:t>
+            </a:r>
+            <a:endParaRPr lang="it-IT" sz="1400" dirty="0" smtClean="0"/>
           </a:p>
           <a:p>
             <a:pPr marL="228600" lvl="0" indent="-228600">
@@ -12932,7 +12971,23 @@
                   <a:prstClr val="white"/>
                 </a:solidFill>
               </a:rPr>
-              <a:t>rende l’idea della velocità con cui avviene</a:t>
+              <a:t>rende l’idea della velocità </a:t>
+            </a:r>
+            <a:r>
+              <a:rPr lang="it-IT" sz="2200" dirty="0">
+                <a:solidFill>
+                  <a:prstClr val="white"/>
+                </a:solidFill>
+              </a:rPr>
+              <a:t>con cui avviene e </a:t>
+            </a:r>
+            <a:r>
+              <a:rPr lang="it-IT" sz="2200" dirty="0" smtClean="0">
+                <a:solidFill>
+                  <a:prstClr val="white"/>
+                </a:solidFill>
+              </a:rPr>
+              <a:t>della virulenza dei suoi effetti.</a:t>
             </a:r>
           </a:p>
           <a:p>
@@ -12948,13 +13003,34 @@
               <a:buChar char="•"/>
             </a:pPr>
             <a:r>
+              <a:rPr lang="it-IT" sz="2200" dirty="0" smtClean="0">
+                <a:solidFill>
+                  <a:prstClr val="white"/>
+                </a:solidFill>
+              </a:rPr>
+              <a:t>Onda </a:t>
+            </a:r>
+            <a:r>
               <a:rPr lang="it-IT" sz="2200" dirty="0">
                 <a:solidFill>
                   <a:prstClr val="white"/>
                 </a:solidFill>
               </a:rPr>
-              <a:t>Onda in grado di sbriciolare tutto quanto si trovi lungo il suo cammino</a:t>
-            </a:r>
+              <a:t>in grado di sbriciolare tutto quanto si trovi lungo il suo </a:t>
+            </a:r>
+            <a:r>
+              <a:rPr lang="it-IT" sz="2200" dirty="0" smtClean="0">
+                <a:solidFill>
+                  <a:prstClr val="white"/>
+                </a:solidFill>
+              </a:rPr>
+              <a:t>cammino.</a:t>
+            </a:r>
+            <a:endParaRPr lang="it-IT" sz="2200" dirty="0">
+              <a:solidFill>
+                <a:prstClr val="white"/>
+              </a:solidFill>
+            </a:endParaRPr>
           </a:p>
         </p:txBody>
       </p:sp>
@@ -13106,11 +13182,11 @@
             </a:r>
             <a:r>
               <a:rPr lang="it-IT" dirty="0" smtClean="0"/>
-              <a:t>(fotografia, navigatori portatili, </a:t>
-            </a:r>
-            <a:r>
-              <a:rPr lang="it-IT" dirty="0" err="1" smtClean="0"/>
-              <a:t>orologio,ecc</a:t>
+              <a:t>(fotografia, navigatori portatili, orologio</a:t>
+            </a:r>
+            <a:r>
+              <a:rPr lang="it-IT" dirty="0" smtClean="0"/>
+              <a:t>, ecc</a:t>
             </a:r>
             <a:r>
               <a:rPr lang="it-IT" dirty="0" smtClean="0"/>
@@ -13128,7 +13204,15 @@
             </a:r>
             <a:r>
               <a:rPr lang="it-IT" dirty="0" smtClean="0"/>
-              <a:t> digitali o che diventano tali (brani musicali e film in formato digitale su </a:t>
+              <a:t> digitali o che diventano tali </a:t>
+            </a:r>
+            <a:r>
+              <a:rPr lang="it-IT" dirty="0" smtClean="0"/>
+              <a:t>(es. brani </a:t>
+            </a:r>
+            <a:r>
+              <a:rPr lang="it-IT" dirty="0" smtClean="0"/>
+              <a:t>musicali e film in formato digitale su </a:t>
             </a:r>
             <a:r>
               <a:rPr lang="it-IT" dirty="0" err="1" smtClean="0">
@@ -13164,10 +13248,14 @@
           <a:p>
             <a:r>
               <a:rPr lang="it-IT" dirty="0" smtClean="0"/>
-              <a:t>E-commerce (</a:t>
-            </a:r>
-            <a:r>
-              <a:rPr lang="it-IT" dirty="0" smtClean="0">
+              <a:t>E-commerce </a:t>
+            </a:r>
+            <a:r>
+              <a:rPr lang="it-IT" smtClean="0"/>
+              <a:t>(es. </a:t>
+            </a:r>
+            <a:r>
+              <a:rPr lang="it-IT" smtClean="0">
                 <a:solidFill>
                   <a:srgbClr val="FFFF00"/>
                 </a:solidFill>
